--- a/templates/intro.pptx
+++ b/templates/intro.pptx
@@ -259,7 +259,7 @@
           <a:p>
             <a:fld id="{0BBBC319-22AA-2A42-AC60-5E515AE3E203}" type="datetimeFigureOut">
               <a:rPr lang="en-US" smtClean="0"/>
-              <a:t>5/27/21</a:t>
+              <a:t>5/6/22</a:t>
             </a:fld>
             <a:endParaRPr lang="en-US"/>
           </a:p>
@@ -457,7 +457,7 @@
           <a:p>
             <a:fld id="{0BBBC319-22AA-2A42-AC60-5E515AE3E203}" type="datetimeFigureOut">
               <a:rPr lang="en-US" smtClean="0"/>
-              <a:t>5/27/21</a:t>
+              <a:t>5/6/22</a:t>
             </a:fld>
             <a:endParaRPr lang="en-US"/>
           </a:p>
@@ -665,7 +665,7 @@
           <a:p>
             <a:fld id="{0BBBC319-22AA-2A42-AC60-5E515AE3E203}" type="datetimeFigureOut">
               <a:rPr lang="en-US" smtClean="0"/>
-              <a:t>5/27/21</a:t>
+              <a:t>5/6/22</a:t>
             </a:fld>
             <a:endParaRPr lang="en-US"/>
           </a:p>
@@ -863,7 +863,7 @@
           <a:p>
             <a:fld id="{0BBBC319-22AA-2A42-AC60-5E515AE3E203}" type="datetimeFigureOut">
               <a:rPr lang="en-US" smtClean="0"/>
-              <a:t>5/27/21</a:t>
+              <a:t>5/6/22</a:t>
             </a:fld>
             <a:endParaRPr lang="en-US"/>
           </a:p>
@@ -1138,7 +1138,7 @@
           <a:p>
             <a:fld id="{0BBBC319-22AA-2A42-AC60-5E515AE3E203}" type="datetimeFigureOut">
               <a:rPr lang="en-US" smtClean="0"/>
-              <a:t>5/27/21</a:t>
+              <a:t>5/6/22</a:t>
             </a:fld>
             <a:endParaRPr lang="en-US"/>
           </a:p>
@@ -1403,7 +1403,7 @@
           <a:p>
             <a:fld id="{0BBBC319-22AA-2A42-AC60-5E515AE3E203}" type="datetimeFigureOut">
               <a:rPr lang="en-US" smtClean="0"/>
-              <a:t>5/27/21</a:t>
+              <a:t>5/6/22</a:t>
             </a:fld>
             <a:endParaRPr lang="en-US"/>
           </a:p>
@@ -1815,7 +1815,7 @@
           <a:p>
             <a:fld id="{0BBBC319-22AA-2A42-AC60-5E515AE3E203}" type="datetimeFigureOut">
               <a:rPr lang="en-US" smtClean="0"/>
-              <a:t>5/27/21</a:t>
+              <a:t>5/6/22</a:t>
             </a:fld>
             <a:endParaRPr lang="en-US"/>
           </a:p>
@@ -1956,7 +1956,7 @@
           <a:p>
             <a:fld id="{0BBBC319-22AA-2A42-AC60-5E515AE3E203}" type="datetimeFigureOut">
               <a:rPr lang="en-US" smtClean="0"/>
-              <a:t>5/27/21</a:t>
+              <a:t>5/6/22</a:t>
             </a:fld>
             <a:endParaRPr lang="en-US"/>
           </a:p>
@@ -2069,7 +2069,7 @@
           <a:p>
             <a:fld id="{0BBBC319-22AA-2A42-AC60-5E515AE3E203}" type="datetimeFigureOut">
               <a:rPr lang="en-US" smtClean="0"/>
-              <a:t>5/27/21</a:t>
+              <a:t>5/6/22</a:t>
             </a:fld>
             <a:endParaRPr lang="en-US"/>
           </a:p>
@@ -2380,7 +2380,7 @@
           <a:p>
             <a:fld id="{0BBBC319-22AA-2A42-AC60-5E515AE3E203}" type="datetimeFigureOut">
               <a:rPr lang="en-US" smtClean="0"/>
-              <a:t>5/27/21</a:t>
+              <a:t>5/6/22</a:t>
             </a:fld>
             <a:endParaRPr lang="en-US"/>
           </a:p>
@@ -2668,7 +2668,7 @@
           <a:p>
             <a:fld id="{0BBBC319-22AA-2A42-AC60-5E515AE3E203}" type="datetimeFigureOut">
               <a:rPr lang="en-US" smtClean="0"/>
-              <a:t>5/27/21</a:t>
+              <a:t>5/6/22</a:t>
             </a:fld>
             <a:endParaRPr lang="en-US"/>
           </a:p>
@@ -2909,7 +2909,7 @@
           <a:p>
             <a:fld id="{0BBBC319-22AA-2A42-AC60-5E515AE3E203}" type="datetimeFigureOut">
               <a:rPr lang="en-US" smtClean="0"/>
-              <a:t>5/27/21</a:t>
+              <a:t>5/6/22</a:t>
             </a:fld>
             <a:endParaRPr lang="en-US"/>
           </a:p>
@@ -3382,53 +3382,6 @@
       </p:sp>
       <p:pic>
         <p:nvPicPr>
-          <p:cNvPr id="1026" name="Picture 2" descr="Los Alamos National Laboratory">
-            <a:extLst>
-              <a:ext uri="{FF2B5EF4-FFF2-40B4-BE49-F238E27FC236}">
-                <a16:creationId xmlns:a16="http://schemas.microsoft.com/office/drawing/2014/main" id="{5174832A-C863-F84D-8759-5388924CEC7D}"/>
-              </a:ext>
-            </a:extLst>
-          </p:cNvPr>
-          <p:cNvPicPr>
-            <a:picLocks noChangeAspect="1" noChangeArrowheads="1"/>
-          </p:cNvPicPr>
-          <p:nvPr/>
-        </p:nvPicPr>
-        <p:blipFill>
-          <a:blip r:embed="rId2">
-            <a:extLst>
-              <a:ext uri="{28A0092B-C50C-407E-A947-70E740481C1C}">
-                <a14:useLocalDpi xmlns:a14="http://schemas.microsoft.com/office/drawing/2010/main" val="0"/>
-              </a:ext>
-            </a:extLst>
-          </a:blip>
-          <a:srcRect/>
-          <a:stretch>
-            <a:fillRect/>
-          </a:stretch>
-        </p:blipFill>
-        <p:spPr bwMode="auto">
-          <a:xfrm>
-            <a:off x="5659398" y="6317553"/>
-            <a:ext cx="1268055" cy="507222"/>
-          </a:xfrm>
-          <a:prstGeom prst="rect">
-            <a:avLst/>
-          </a:prstGeom>
-          <a:noFill/>
-          <a:extLst>
-            <a:ext uri="{909E8E84-426E-40DD-AFC4-6F175D3DCCD1}">
-              <a14:hiddenFill xmlns:a14="http://schemas.microsoft.com/office/drawing/2010/main">
-                <a:solidFill>
-                  <a:srgbClr val="FFFFFF"/>
-                </a:solidFill>
-              </a14:hiddenFill>
-            </a:ext>
-          </a:extLst>
-        </p:spPr>
-      </p:pic>
-      <p:pic>
-        <p:nvPicPr>
           <p:cNvPr id="7" name="Picture 6">
             <a:extLst>
               <a:ext uri="{FF2B5EF4-FFF2-40B4-BE49-F238E27FC236}">
@@ -3442,66 +3395,19 @@
           <p:nvPr/>
         </p:nvPicPr>
         <p:blipFill>
-          <a:blip r:embed="rId3"/>
+          <a:blip r:embed="rId2"/>
           <a:stretch>
             <a:fillRect/>
           </a:stretch>
         </p:blipFill>
         <p:spPr>
           <a:xfrm>
-            <a:off x="2137720" y="6354189"/>
+            <a:off x="5121665" y="6288520"/>
             <a:ext cx="2116836" cy="433951"/>
           </a:xfrm>
           <a:prstGeom prst="rect">
             <a:avLst/>
           </a:prstGeom>
-        </p:spPr>
-      </p:pic>
-      <p:pic>
-        <p:nvPicPr>
-          <p:cNvPr id="1028" name="Picture 4" descr="ASU logo - official - horizontal">
-            <a:extLst>
-              <a:ext uri="{FF2B5EF4-FFF2-40B4-BE49-F238E27FC236}">
-                <a16:creationId xmlns:a16="http://schemas.microsoft.com/office/drawing/2014/main" id="{F92116F4-F2B1-A044-A4DD-08A5E10CEA69}"/>
-              </a:ext>
-            </a:extLst>
-          </p:cNvPr>
-          <p:cNvPicPr>
-            <a:picLocks noChangeAspect="1" noChangeArrowheads="1"/>
-          </p:cNvPicPr>
-          <p:nvPr/>
-        </p:nvPicPr>
-        <p:blipFill>
-          <a:blip r:embed="rId4">
-            <a:extLst>
-              <a:ext uri="{28A0092B-C50C-407E-A947-70E740481C1C}">
-                <a14:useLocalDpi xmlns:a14="http://schemas.microsoft.com/office/drawing/2010/main" val="0"/>
-              </a:ext>
-            </a:extLst>
-          </a:blip>
-          <a:srcRect/>
-          <a:stretch>
-            <a:fillRect/>
-          </a:stretch>
-        </p:blipFill>
-        <p:spPr bwMode="auto">
-          <a:xfrm>
-            <a:off x="8256373" y="6352132"/>
-            <a:ext cx="1583366" cy="438064"/>
-          </a:xfrm>
-          <a:prstGeom prst="rect">
-            <a:avLst/>
-          </a:prstGeom>
-          <a:noFill/>
-          <a:extLst>
-            <a:ext uri="{909E8E84-426E-40DD-AFC4-6F175D3DCCD1}">
-              <a14:hiddenFill xmlns:a14="http://schemas.microsoft.com/office/drawing/2010/main">
-                <a:solidFill>
-                  <a:srgbClr val="FFFFFF"/>
-                </a:solidFill>
-              </a14:hiddenFill>
-            </a:ext>
-          </a:extLst>
         </p:spPr>
       </p:pic>
       <p:sp>
@@ -3540,7 +3446,7 @@
                 <a:effectLst/>
                 <a:latin typeface="Arial Nova" panose="020F0502020204030204" pitchFamily="34" charset="0"/>
               </a:rPr>
-              <a:t>1st Annual Undergraduate Quantitative Biology Summer School</a:t>
+              <a:t>2nd Annual Undergraduate Quantitative Biology Summer School</a:t>
             </a:r>
           </a:p>
         </p:txBody>
@@ -3663,7 +3569,7 @@
           <p:nvPr/>
         </p:nvPicPr>
         <p:blipFill>
-          <a:blip r:embed="rId5"/>
+          <a:blip r:embed="rId3"/>
           <a:stretch>
             <a:fillRect/>
           </a:stretch>

--- a/templates/intro.pptx
+++ b/templates/intro.pptx
@@ -259,7 +259,7 @@
           <a:p>
             <a:fld id="{0BBBC319-22AA-2A42-AC60-5E515AE3E203}" type="datetimeFigureOut">
               <a:rPr lang="en-US" smtClean="0"/>
-              <a:t>5/6/22</a:t>
+              <a:t>5/9/22</a:t>
             </a:fld>
             <a:endParaRPr lang="en-US"/>
           </a:p>
@@ -457,7 +457,7 @@
           <a:p>
             <a:fld id="{0BBBC319-22AA-2A42-AC60-5E515AE3E203}" type="datetimeFigureOut">
               <a:rPr lang="en-US" smtClean="0"/>
-              <a:t>5/6/22</a:t>
+              <a:t>5/9/22</a:t>
             </a:fld>
             <a:endParaRPr lang="en-US"/>
           </a:p>
@@ -665,7 +665,7 @@
           <a:p>
             <a:fld id="{0BBBC319-22AA-2A42-AC60-5E515AE3E203}" type="datetimeFigureOut">
               <a:rPr lang="en-US" smtClean="0"/>
-              <a:t>5/6/22</a:t>
+              <a:t>5/9/22</a:t>
             </a:fld>
             <a:endParaRPr lang="en-US"/>
           </a:p>
@@ -863,7 +863,7 @@
           <a:p>
             <a:fld id="{0BBBC319-22AA-2A42-AC60-5E515AE3E203}" type="datetimeFigureOut">
               <a:rPr lang="en-US" smtClean="0"/>
-              <a:t>5/6/22</a:t>
+              <a:t>5/9/22</a:t>
             </a:fld>
             <a:endParaRPr lang="en-US"/>
           </a:p>
@@ -1138,7 +1138,7 @@
           <a:p>
             <a:fld id="{0BBBC319-22AA-2A42-AC60-5E515AE3E203}" type="datetimeFigureOut">
               <a:rPr lang="en-US" smtClean="0"/>
-              <a:t>5/6/22</a:t>
+              <a:t>5/9/22</a:t>
             </a:fld>
             <a:endParaRPr lang="en-US"/>
           </a:p>
@@ -1403,7 +1403,7 @@
           <a:p>
             <a:fld id="{0BBBC319-22AA-2A42-AC60-5E515AE3E203}" type="datetimeFigureOut">
               <a:rPr lang="en-US" smtClean="0"/>
-              <a:t>5/6/22</a:t>
+              <a:t>5/9/22</a:t>
             </a:fld>
             <a:endParaRPr lang="en-US"/>
           </a:p>
@@ -1815,7 +1815,7 @@
           <a:p>
             <a:fld id="{0BBBC319-22AA-2A42-AC60-5E515AE3E203}" type="datetimeFigureOut">
               <a:rPr lang="en-US" smtClean="0"/>
-              <a:t>5/6/22</a:t>
+              <a:t>5/9/22</a:t>
             </a:fld>
             <a:endParaRPr lang="en-US"/>
           </a:p>
@@ -1956,7 +1956,7 @@
           <a:p>
             <a:fld id="{0BBBC319-22AA-2A42-AC60-5E515AE3E203}" type="datetimeFigureOut">
               <a:rPr lang="en-US" smtClean="0"/>
-              <a:t>5/6/22</a:t>
+              <a:t>5/9/22</a:t>
             </a:fld>
             <a:endParaRPr lang="en-US"/>
           </a:p>
@@ -2069,7 +2069,7 @@
           <a:p>
             <a:fld id="{0BBBC319-22AA-2A42-AC60-5E515AE3E203}" type="datetimeFigureOut">
               <a:rPr lang="en-US" smtClean="0"/>
-              <a:t>5/6/22</a:t>
+              <a:t>5/9/22</a:t>
             </a:fld>
             <a:endParaRPr lang="en-US"/>
           </a:p>
@@ -2380,7 +2380,7 @@
           <a:p>
             <a:fld id="{0BBBC319-22AA-2A42-AC60-5E515AE3E203}" type="datetimeFigureOut">
               <a:rPr lang="en-US" smtClean="0"/>
-              <a:t>5/6/22</a:t>
+              <a:t>5/9/22</a:t>
             </a:fld>
             <a:endParaRPr lang="en-US"/>
           </a:p>
@@ -2668,7 +2668,7 @@
           <a:p>
             <a:fld id="{0BBBC319-22AA-2A42-AC60-5E515AE3E203}" type="datetimeFigureOut">
               <a:rPr lang="en-US" smtClean="0"/>
-              <a:t>5/6/22</a:t>
+              <a:t>5/9/22</a:t>
             </a:fld>
             <a:endParaRPr lang="en-US"/>
           </a:p>
@@ -2909,7 +2909,7 @@
           <a:p>
             <a:fld id="{0BBBC319-22AA-2A42-AC60-5E515AE3E203}" type="datetimeFigureOut">
               <a:rPr lang="en-US" smtClean="0"/>
-              <a:t>5/6/22</a:t>
+              <a:t>5/9/22</a:t>
             </a:fld>
             <a:endParaRPr lang="en-US"/>
           </a:p>
@@ -3465,7 +3465,7 @@
         </p:nvSpPr>
         <p:spPr>
           <a:xfrm>
-            <a:off x="283780" y="2814959"/>
+            <a:off x="57480" y="5191218"/>
             <a:ext cx="11792606" cy="646331"/>
           </a:xfrm>
           <a:prstGeom prst="rect">
@@ -3505,7 +3505,7 @@
         </p:nvSpPr>
         <p:spPr>
           <a:xfrm>
-            <a:off x="1296811" y="4690239"/>
+            <a:off x="1070511" y="5699955"/>
             <a:ext cx="10895189" cy="369332"/>
           </a:xfrm>
           <a:prstGeom prst="rect">
@@ -3578,6 +3578,36 @@
           <a:xfrm>
             <a:off x="10486590" y="0"/>
             <a:ext cx="1479110" cy="465919"/>
+          </a:xfrm>
+          <a:prstGeom prst="rect">
+            <a:avLst/>
+          </a:prstGeom>
+        </p:spPr>
+      </p:pic>
+      <p:pic>
+        <p:nvPicPr>
+          <p:cNvPr id="3" name="Picture 2">
+            <a:extLst>
+              <a:ext uri="{FF2B5EF4-FFF2-40B4-BE49-F238E27FC236}">
+                <a16:creationId xmlns:a16="http://schemas.microsoft.com/office/drawing/2014/main" id="{6B2B7175-5209-EE5B-228F-1A7C4001C0C8}"/>
+              </a:ext>
+            </a:extLst>
+          </p:cNvPr>
+          <p:cNvPicPr>
+            <a:picLocks noChangeAspect="1"/>
+          </p:cNvPicPr>
+          <p:nvPr/>
+        </p:nvPicPr>
+        <p:blipFill>
+          <a:blip r:embed="rId4"/>
+          <a:stretch>
+            <a:fillRect/>
+          </a:stretch>
+        </p:blipFill>
+        <p:spPr>
+          <a:xfrm>
+            <a:off x="3804745" y="738789"/>
+            <a:ext cx="4582510" cy="4515959"/>
           </a:xfrm>
           <a:prstGeom prst="rect">
             <a:avLst/>

--- a/templates/intro.pptx
+++ b/templates/intro.pptx
@@ -3326,60 +3326,6 @@
           <a:chExt cx="0" cy="0"/>
         </a:xfrm>
       </p:grpSpPr>
-      <p:sp>
-        <p:nvSpPr>
-          <p:cNvPr id="16" name="Rectangle 15">
-            <a:extLst>
-              <a:ext uri="{FF2B5EF4-FFF2-40B4-BE49-F238E27FC236}">
-                <a16:creationId xmlns:a16="http://schemas.microsoft.com/office/drawing/2014/main" id="{984AA421-6340-0D4F-8246-118497EE0622}"/>
-              </a:ext>
-            </a:extLst>
-          </p:cNvPr>
-          <p:cNvSpPr/>
-          <p:nvPr/>
-        </p:nvSpPr>
-        <p:spPr>
-          <a:xfrm>
-            <a:off x="0" y="0"/>
-            <a:ext cx="9839739" cy="433951"/>
-          </a:xfrm>
-          <a:prstGeom prst="rect">
-            <a:avLst/>
-          </a:prstGeom>
-          <a:solidFill>
-            <a:srgbClr val="0D5427">
-              <a:alpha val="97647"/>
-            </a:srgbClr>
-          </a:solidFill>
-          <a:ln>
-            <a:noFill/>
-          </a:ln>
-        </p:spPr>
-        <p:style>
-          <a:lnRef idx="2">
-            <a:schemeClr val="accent1">
-              <a:shade val="50000"/>
-            </a:schemeClr>
-          </a:lnRef>
-          <a:fillRef idx="1">
-            <a:schemeClr val="accent1"/>
-          </a:fillRef>
-          <a:effectRef idx="0">
-            <a:schemeClr val="accent1"/>
-          </a:effectRef>
-          <a:fontRef idx="minor">
-            <a:schemeClr val="lt1"/>
-          </a:fontRef>
-        </p:style>
-        <p:txBody>
-          <a:bodyPr rtlCol="0" anchor="ctr"/>
-          <a:lstStyle/>
-          <a:p>
-            <a:pPr algn="ctr"/>
-            <a:endParaRPr lang="en-US" dirty="0"/>
-          </a:p>
-        </p:txBody>
-      </p:sp>
       <p:pic>
         <p:nvPicPr>
           <p:cNvPr id="7" name="Picture 6">
@@ -3412,47 +3358,6 @@
       </p:pic>
       <p:sp>
         <p:nvSpPr>
-          <p:cNvPr id="8" name="Rectangle 7">
-            <a:extLst>
-              <a:ext uri="{FF2B5EF4-FFF2-40B4-BE49-F238E27FC236}">
-                <a16:creationId xmlns:a16="http://schemas.microsoft.com/office/drawing/2014/main" id="{7C525591-9230-9F42-9FDA-92393B143C62}"/>
-              </a:ext>
-            </a:extLst>
-          </p:cNvPr>
-          <p:cNvSpPr/>
-          <p:nvPr/>
-        </p:nvSpPr>
-        <p:spPr>
-          <a:xfrm>
-            <a:off x="2137720" y="28048"/>
-            <a:ext cx="7455885" cy="369332"/>
-          </a:xfrm>
-          <a:prstGeom prst="rect">
-            <a:avLst/>
-          </a:prstGeom>
-        </p:spPr>
-        <p:txBody>
-          <a:bodyPr wrap="square">
-            <a:spAutoFit/>
-          </a:bodyPr>
-          <a:lstStyle/>
-          <a:p>
-            <a:pPr algn="r"/>
-            <a:r>
-              <a:rPr lang="en-US" i="0" u="none" strike="noStrike" dirty="0">
-                <a:solidFill>
-                  <a:schemeClr val="bg1"/>
-                </a:solidFill>
-                <a:effectLst/>
-                <a:latin typeface="Arial Nova" panose="020F0502020204030204" pitchFamily="34" charset="0"/>
-              </a:rPr>
-              <a:t>2nd Annual Undergraduate Quantitative Biology Summer School</a:t>
-            </a:r>
-          </a:p>
-        </p:txBody>
-      </p:sp>
-      <p:sp>
-        <p:nvSpPr>
           <p:cNvPr id="17" name="Rectangle 16">
             <a:extLst>
               <a:ext uri="{FF2B5EF4-FFF2-40B4-BE49-F238E27FC236}">
@@ -3556,10 +3461,10 @@
       </p:sp>
       <p:pic>
         <p:nvPicPr>
-          <p:cNvPr id="18" name="Picture 17">
-            <a:extLst>
-              <a:ext uri="{FF2B5EF4-FFF2-40B4-BE49-F238E27FC236}">
-                <a16:creationId xmlns:a16="http://schemas.microsoft.com/office/drawing/2014/main" id="{76A23009-27DE-4848-965E-A680433509BB}"/>
+          <p:cNvPr id="3" name="Picture 2">
+            <a:extLst>
+              <a:ext uri="{FF2B5EF4-FFF2-40B4-BE49-F238E27FC236}">
+                <a16:creationId xmlns:a16="http://schemas.microsoft.com/office/drawing/2014/main" id="{6B2B7175-5209-EE5B-228F-1A7C4001C0C8}"/>
               </a:ext>
             </a:extLst>
           </p:cNvPr>
@@ -3576,38 +3481,8 @@
         </p:blipFill>
         <p:spPr>
           <a:xfrm>
-            <a:off x="10486590" y="0"/>
-            <a:ext cx="1479110" cy="465919"/>
-          </a:xfrm>
-          <a:prstGeom prst="rect">
-            <a:avLst/>
-          </a:prstGeom>
-        </p:spPr>
-      </p:pic>
-      <p:pic>
-        <p:nvPicPr>
-          <p:cNvPr id="3" name="Picture 2">
-            <a:extLst>
-              <a:ext uri="{FF2B5EF4-FFF2-40B4-BE49-F238E27FC236}">
-                <a16:creationId xmlns:a16="http://schemas.microsoft.com/office/drawing/2014/main" id="{6B2B7175-5209-EE5B-228F-1A7C4001C0C8}"/>
-              </a:ext>
-            </a:extLst>
-          </p:cNvPr>
-          <p:cNvPicPr>
-            <a:picLocks noChangeAspect="1"/>
-          </p:cNvPicPr>
-          <p:nvPr/>
-        </p:nvPicPr>
-        <p:blipFill>
-          <a:blip r:embed="rId4"/>
-          <a:stretch>
-            <a:fillRect/>
-          </a:stretch>
-        </p:blipFill>
-        <p:spPr>
-          <a:xfrm>
-            <a:off x="3804745" y="738789"/>
-            <a:ext cx="4582510" cy="4515959"/>
+            <a:off x="3804744" y="283051"/>
+            <a:ext cx="5044965" cy="4971698"/>
           </a:xfrm>
           <a:prstGeom prst="rect">
             <a:avLst/>
